--- a/CahierDesCharges.pptx
+++ b/CahierDesCharges.pptx
@@ -5,18 +5,17 @@
     <p:sldMasterId id="2147483648" r:id="rId1"/>
   </p:sldMasterIdLst>
   <p:notesMasterIdLst>
-    <p:notesMasterId r:id="rId8"/>
+    <p:notesMasterId r:id="rId7"/>
   </p:notesMasterIdLst>
   <p:handoutMasterIdLst>
-    <p:handoutMasterId r:id="rId9"/>
+    <p:handoutMasterId r:id="rId8"/>
   </p:handoutMasterIdLst>
   <p:sldIdLst>
     <p:sldId id="260" r:id="rId2"/>
     <p:sldId id="257" r:id="rId3"/>
     <p:sldId id="261" r:id="rId4"/>
     <p:sldId id="262" r:id="rId5"/>
-    <p:sldId id="263" r:id="rId6"/>
-    <p:sldId id="264" r:id="rId7"/>
+    <p:sldId id="264" r:id="rId6"/>
   </p:sldIdLst>
   <p:sldSz cx="9144000" cy="6858000" type="screen4x3"/>
   <p:notesSz cx="6794500" cy="9906000"/>
@@ -2264,13 +2263,8 @@
           <a:p>
             <a:r>
               <a:rPr lang="fr-FR" dirty="0" smtClean="0"/>
-              <a:t>T3</a:t>
-            </a:r>
-            <a:r>
-              <a:rPr lang="fr-FR" dirty="0" smtClean="0"/>
-              <a:t>• 20-10-2010</a:t>
-            </a:r>
-            <a:endParaRPr lang="fr-FR" dirty="0" smtClean="0"/>
+              <a:t>T3• 20-10-2010</a:t>
+            </a:r>
           </a:p>
         </p:txBody>
       </p:sp>
@@ -2279,6 +2273,13 @@
   <p:clrMapOvr>
     <a:masterClrMapping/>
   </p:clrMapOvr>
+  <p:timing>
+    <p:tnLst>
+      <p:par>
+        <p:cTn id="1" dur="indefinite" restart="never" nodeType="tmRoot"/>
+      </p:par>
+    </p:tnLst>
+  </p:timing>
 </p:sld>
 </file>
 
@@ -2356,30 +2357,50 @@
               <a:buNone/>
             </a:pPr>
             <a:r>
-              <a:rPr lang="fr-CH" sz="1800" b="1" dirty="0" smtClean="0">
+              <a:rPr lang="fr-CH" sz="2000" b="1" dirty="0" smtClean="0">
                 <a:solidFill>
                   <a:srgbClr val="0070C0"/>
                 </a:solidFill>
               </a:rPr>
-              <a:t>Contexte et objectifs du projet:</a:t>
-            </a:r>
-          </a:p>
-          <a:p>
+              <a:t>Contexte du projet:</a:t>
+            </a:r>
+          </a:p>
+          <a:p>
+            <a:pPr>
+              <a:buNone/>
+            </a:pPr>
             <a:endParaRPr lang="fr-CH" sz="1800" dirty="0" smtClean="0"/>
           </a:p>
           <a:p>
+            <a:pPr>
+              <a:buNone/>
+            </a:pPr>
+            <a:r>
+              <a:rPr lang="fr-CH" sz="1800" dirty="0" smtClean="0"/>
+              <a:t>	</a:t>
+            </a:r>
             <a:endParaRPr lang="fr-CH" sz="1800" dirty="0" smtClean="0"/>
           </a:p>
           <a:p>
+            <a:pPr>
+              <a:buNone/>
+            </a:pPr>
             <a:r>
               <a:rPr lang="fr-CH" sz="1800" dirty="0" smtClean="0"/>
-              <a:t>Dans le cadre d'un projet de recherche, le groupe de compétences IT Security veut rendre difficile</a:t>
-            </a:r>
-          </a:p>
-          <a:p>
+              <a:t>	Dans </a:t>
+            </a:r>
             <a:r>
               <a:rPr lang="fr-CH" sz="1800" dirty="0" smtClean="0"/>
-              <a:t>le reverse-engineering d'un programme </a:t>
+              <a:t>le cadre d'un projet de recherche, le groupe de compétences IT Security veut rendre difficile</a:t>
+            </a:r>
+          </a:p>
+          <a:p>
+            <a:pPr>
+              <a:buNone/>
+            </a:pPr>
+            <a:r>
+              <a:rPr lang="fr-CH" sz="1800" dirty="0" smtClean="0"/>
+              <a:t>	le reverse-engineering d'un programme </a:t>
             </a:r>
             <a:r>
               <a:rPr lang="fr-CH" sz="1800" dirty="0" err="1" smtClean="0"/>
@@ -2391,9 +2412,12 @@
             </a:r>
           </a:p>
           <a:p>
+            <a:pPr>
+              <a:buNone/>
+            </a:pPr>
             <a:r>
               <a:rPr lang="fr-CH" sz="1800" dirty="0" smtClean="0"/>
-              <a:t>En effet des utilitaires comme </a:t>
+              <a:t>	En effet des utilitaires comme </a:t>
             </a:r>
             <a:r>
               <a:rPr lang="fr-CH" sz="1800" dirty="0" err="1" smtClean="0"/>
@@ -2413,15 +2437,21 @@
             </a:r>
           </a:p>
           <a:p>
+            <a:pPr>
+              <a:buNone/>
+            </a:pPr>
             <a:r>
               <a:rPr lang="fr-CH" sz="1800" dirty="0" smtClean="0"/>
-              <a:t>assembleur et de là retrouver des algorithmes industriels qui sont peut-être des secrets de</a:t>
-            </a:r>
-          </a:p>
-          <a:p>
+              <a:t>	assembleur et de là retrouver des algorithmes industriels qui sont peut-être des secrets de</a:t>
+            </a:r>
+          </a:p>
+          <a:p>
+            <a:pPr>
+              <a:buNone/>
+            </a:pPr>
             <a:r>
               <a:rPr lang="fr-CH" sz="1800" dirty="0" smtClean="0"/>
-              <a:t>fabrications d'une entreprise</a:t>
+              <a:t>	fabrications d'une entreprise</a:t>
             </a:r>
             <a:endParaRPr lang="fr-FR" sz="1800" dirty="0" smtClean="0">
               <a:latin typeface="Verdana" pitchFamily="1" charset="0"/>
@@ -2603,7 +2633,7 @@
                 <a:ea typeface="+mj-ea"/>
                 <a:cs typeface="+mj-cs"/>
               </a:rPr>
-              <a:t>– Objectifs – Planning – Jalons</a:t>
+              <a:t>– Définition - Objectifs -</a:t>
             </a:r>
             <a:r>
               <a:rPr kumimoji="0" lang="fr-FR" sz="1400" b="0" i="0" u="none" strike="noStrike" kern="0" cap="none" spc="0" normalizeH="0" noProof="0" dirty="0" smtClean="0">
@@ -2620,7 +2650,7 @@
                 <a:ea typeface="+mj-ea"/>
                 <a:cs typeface="+mj-cs"/>
               </a:rPr>
-              <a:t> – Cahier des charges</a:t>
+              <a:t> Etapes</a:t>
             </a:r>
             <a:endParaRPr kumimoji="0" lang="fr-FR" sz="1400" b="0" i="0" u="none" strike="noStrike" kern="0" cap="none" spc="0" normalizeH="0" baseline="0" noProof="0" dirty="0" smtClean="0">
               <a:ln>
@@ -2644,6 +2674,13 @@
   <p:clrMapOvr>
     <a:masterClrMapping/>
   </p:clrMapOvr>
+  <p:timing>
+    <p:tnLst>
+      <p:par>
+        <p:cTn id="1" dur="indefinite" restart="never" nodeType="tmRoot"/>
+      </p:par>
+    </p:tnLst>
+  </p:timing>
 </p:sld>
 </file>
 
@@ -2717,60 +2754,31 @@
           <a:bodyPr/>
           <a:lstStyle/>
           <a:p>
-            <a:pPr>
-              <a:buNone/>
-            </a:pPr>
-            <a:r>
-              <a:rPr lang="fr-CH" sz="1600" b="1" dirty="0" smtClean="0">
+            <a:r>
+              <a:rPr lang="fr-CH" sz="2000" b="1" dirty="0" err="1" smtClean="0">
                 <a:solidFill>
                   <a:srgbClr val="0070C0"/>
                 </a:solidFill>
               </a:rPr>
-              <a:t>Objectifs :</a:t>
+              <a:t>Obfuscation</a:t>
+            </a:r>
+            <a:r>
+              <a:rPr lang="fr-CH" sz="2000" dirty="0" smtClean="0"/>
+              <a:t>:</a:t>
             </a:r>
           </a:p>
           <a:p>
             <a:endParaRPr lang="fr-CH" sz="1600" dirty="0" smtClean="0"/>
           </a:p>
           <a:p>
-            <a:r>
-              <a:rPr lang="fr-CH" sz="1600" dirty="0" smtClean="0"/>
-              <a:t>Etudier </a:t>
-            </a:r>
-            <a:r>
-              <a:rPr lang="fr-CH" sz="1600" dirty="0" smtClean="0"/>
-              <a:t>les différentes techniques d’</a:t>
-            </a:r>
-            <a:r>
-              <a:rPr lang="fr-CH" sz="1600" dirty="0" err="1" smtClean="0"/>
-              <a:t>obfuscation</a:t>
-            </a:r>
-            <a:r>
-              <a:rPr lang="fr-CH" sz="1600" dirty="0" smtClean="0"/>
-              <a:t>.</a:t>
-            </a:r>
-          </a:p>
-          <a:p>
-            <a:r>
-              <a:rPr lang="fr-CH" sz="1600" dirty="0" smtClean="0"/>
-              <a:t>Créer </a:t>
-            </a:r>
-            <a:r>
-              <a:rPr lang="fr-CH" sz="1600" dirty="0" smtClean="0"/>
-              <a:t>un </a:t>
-            </a:r>
-            <a:r>
-              <a:rPr lang="fr-CH" sz="1600" dirty="0" err="1" smtClean="0"/>
-              <a:t>obfuscateur</a:t>
-            </a:r>
-            <a:r>
-              <a:rPr lang="fr-CH" sz="1600" dirty="0" smtClean="0"/>
-              <a:t> de code qui permet de changer la structure du programme initial pour le rendre inintelligible sans changer sa </a:t>
-            </a:r>
-            <a:r>
-              <a:rPr lang="fr-CH" sz="1600" dirty="0" smtClean="0"/>
-              <a:t>sémantique</a:t>
-            </a:r>
+            <a:pPr>
+              <a:buNone/>
+            </a:pPr>
+            <a:r>
+              <a:rPr lang="fr-CH" sz="1800" dirty="0" smtClean="0"/>
+              <a:t>	Consiste à changer la structure du code initial d’un programme pour le rendre intelligible sans changer sa sémantique </a:t>
+            </a:r>
+            <a:endParaRPr lang="fr-CH" sz="1800" dirty="0" smtClean="0"/>
           </a:p>
           <a:p>
             <a:endParaRPr lang="fr-CH" sz="1600" dirty="0" smtClean="0"/>
@@ -2902,105 +2910,36 @@
           </a:bodyPr>
           <a:lstStyle/>
           <a:p>
-            <a:pPr marL="0" marR="0" lvl="0" indent="0" algn="r" defTabSz="914400" rtl="0" eaLnBrk="0" fontAlgn="base" latinLnBrk="0" hangingPunct="0">
-              <a:lnSpc>
-                <a:spcPct val="100000"/>
-              </a:lnSpc>
+            <a:pPr lvl="0" algn="r" eaLnBrk="0" hangingPunct="0">
               <a:spcBef>
                 <a:spcPct val="0"/>
               </a:spcBef>
-              <a:spcAft>
-                <a:spcPct val="0"/>
-              </a:spcAft>
-              <a:buClrTx/>
-              <a:buSzTx/>
-              <a:buFontTx/>
-              <a:buNone/>
-              <a:tabLst/>
               <a:defRPr/>
             </a:pPr>
             <a:r>
-              <a:rPr kumimoji="0" lang="fr-FR" sz="1400" b="0" i="0" u="none" strike="noStrike" kern="0" cap="none" spc="0" normalizeH="0" baseline="0" noProof="0" dirty="0" smtClean="0">
-                <a:ln>
-                  <a:noFill/>
-                </a:ln>
+              <a:rPr lang="fr-FR" sz="1400" b="0" kern="0" dirty="0" smtClean="0">
                 <a:solidFill>
                   <a:schemeClr val="tx1"/>
                 </a:solidFill>
-                <a:effectLst/>
-                <a:uLnTx/>
-                <a:uFillTx/>
-                <a:latin typeface="Verdana" pitchFamily="1" charset="0"/>
-                <a:ea typeface="+mj-ea"/>
-                <a:cs typeface="+mj-cs"/>
               </a:rPr>
-              <a:t>Contexte du projet – </a:t>
-            </a:r>
-            <a:r>
-              <a:rPr kumimoji="0" lang="fr-FR" sz="1400" i="0" u="none" strike="noStrike" kern="0" cap="none" spc="0" normalizeH="0" baseline="0" noProof="0" dirty="0" smtClean="0">
-                <a:ln>
-                  <a:noFill/>
-                </a:ln>
+              <a:t>Contexte du projet –</a:t>
+            </a:r>
+            <a:r>
+              <a:rPr lang="fr-FR" sz="1400" kern="0" dirty="0" smtClean="0">
                 <a:solidFill>
                   <a:srgbClr val="0070C0"/>
                 </a:solidFill>
-                <a:effectLst/>
-                <a:uLnTx/>
-                <a:uFillTx/>
-                <a:latin typeface="Verdana" pitchFamily="1" charset="0"/>
-                <a:ea typeface="+mj-ea"/>
-                <a:cs typeface="+mj-cs"/>
               </a:rPr>
-              <a:t>Objectifs</a:t>
-            </a:r>
-            <a:r>
-              <a:rPr kumimoji="0" lang="fr-FR" sz="1400" b="0" i="0" u="none" strike="noStrike" kern="0" cap="none" spc="0" normalizeH="0" baseline="0" noProof="0" dirty="0" smtClean="0">
-                <a:ln>
-                  <a:noFill/>
-                </a:ln>
+              <a:t> Définition </a:t>
+            </a:r>
+            <a:r>
+              <a:rPr lang="fr-FR" sz="1400" b="0" kern="0" dirty="0" smtClean="0">
                 <a:solidFill>
                   <a:schemeClr val="tx1"/>
                 </a:solidFill>
-                <a:effectLst/>
-                <a:uLnTx/>
-                <a:uFillTx/>
-                <a:latin typeface="Verdana" pitchFamily="1" charset="0"/>
-                <a:ea typeface="+mj-ea"/>
-                <a:cs typeface="+mj-cs"/>
               </a:rPr>
-              <a:t> – Planning – Jalons</a:t>
-            </a:r>
-            <a:r>
-              <a:rPr kumimoji="0" lang="fr-FR" sz="1400" b="0" i="0" u="none" strike="noStrike" kern="0" cap="none" spc="0" normalizeH="0" noProof="0" dirty="0" smtClean="0">
-                <a:ln>
-                  <a:noFill/>
-                </a:ln>
-                <a:solidFill>
-                  <a:schemeClr val="tx1"/>
-                </a:solidFill>
-                <a:effectLst/>
-                <a:uLnTx/>
-                <a:uFillTx/>
-                <a:latin typeface="Verdana" pitchFamily="1" charset="0"/>
-                <a:ea typeface="+mj-ea"/>
-                <a:cs typeface="+mj-cs"/>
-              </a:rPr>
-              <a:t> – Cahier des charges</a:t>
-            </a:r>
-            <a:endParaRPr kumimoji="0" lang="fr-FR" sz="1400" b="0" i="0" u="none" strike="noStrike" kern="0" cap="none" spc="0" normalizeH="0" baseline="0" noProof="0" dirty="0" smtClean="0">
-              <a:ln>
-                <a:noFill/>
-              </a:ln>
-              <a:solidFill>
-                <a:schemeClr val="tx1"/>
-              </a:solidFill>
-              <a:effectLst/>
-              <a:uLnTx/>
-              <a:uFillTx/>
-              <a:latin typeface="Verdana" pitchFamily="1" charset="0"/>
-              <a:ea typeface="+mj-ea"/>
-              <a:cs typeface="+mj-cs"/>
-            </a:endParaRPr>
+              <a:t>- Objectifs - Etapes</a:t>
+            </a:r>
           </a:p>
         </p:txBody>
       </p:sp>
@@ -3021,7 +2960,7 @@
         </p:blipFill>
         <p:spPr bwMode="auto">
           <a:xfrm>
-            <a:off x="2771800" y="3501008"/>
+            <a:off x="3240342" y="3212976"/>
             <a:ext cx="3635914" cy="2772010"/>
           </a:xfrm>
           <a:prstGeom prst="rect">
@@ -3225,140 +3164,127 @@
           </a:bodyPr>
           <a:lstStyle/>
           <a:p>
-            <a:pPr marL="0" marR="0" lvl="0" indent="0" algn="r" defTabSz="914400" rtl="0" eaLnBrk="0" fontAlgn="base" latinLnBrk="0" hangingPunct="0">
-              <a:lnSpc>
-                <a:spcPct val="100000"/>
-              </a:lnSpc>
+            <a:pPr lvl="0" algn="r" eaLnBrk="0" hangingPunct="0">
               <a:spcBef>
                 <a:spcPct val="0"/>
               </a:spcBef>
-              <a:spcAft>
-                <a:spcPct val="0"/>
-              </a:spcAft>
-              <a:buClrTx/>
-              <a:buSzTx/>
-              <a:buFontTx/>
-              <a:buNone/>
-              <a:tabLst/>
               <a:defRPr/>
             </a:pPr>
             <a:r>
-              <a:rPr kumimoji="0" lang="fr-FR" sz="1400" b="0" i="0" u="none" strike="noStrike" kern="0" cap="none" spc="0" normalizeH="0" baseline="0" noProof="0" dirty="0" smtClean="0">
-                <a:ln>
-                  <a:noFill/>
-                </a:ln>
+              <a:rPr lang="fr-FR" sz="1400" b="0" kern="0" dirty="0" smtClean="0">
                 <a:solidFill>
                   <a:schemeClr val="tx1"/>
                 </a:solidFill>
-                <a:effectLst/>
-                <a:uLnTx/>
-                <a:uFillTx/>
-                <a:latin typeface="Verdana" pitchFamily="1" charset="0"/>
-                <a:ea typeface="+mj-ea"/>
-                <a:cs typeface="+mj-cs"/>
               </a:rPr>
-              <a:t>Contexte du projet – Objectifs – </a:t>
-            </a:r>
-            <a:r>
-              <a:rPr kumimoji="0" lang="fr-FR" sz="1400" i="0" u="none" strike="noStrike" kern="0" cap="none" spc="0" normalizeH="0" baseline="0" noProof="0" dirty="0" smtClean="0">
-                <a:ln>
-                  <a:noFill/>
-                </a:ln>
+              <a:t>Contexte du projet – Définition - </a:t>
+            </a:r>
+            <a:r>
+              <a:rPr lang="fr-FR" sz="1400" kern="0" dirty="0" smtClean="0">
                 <a:solidFill>
                   <a:srgbClr val="0070C0"/>
                 </a:solidFill>
-                <a:effectLst/>
-                <a:uLnTx/>
-                <a:uFillTx/>
-                <a:latin typeface="Verdana" pitchFamily="1" charset="0"/>
-                <a:ea typeface="+mj-ea"/>
-                <a:cs typeface="+mj-cs"/>
               </a:rPr>
-              <a:t>Planning</a:t>
-            </a:r>
-            <a:r>
-              <a:rPr kumimoji="0" lang="fr-FR" sz="1400" b="0" i="0" u="none" strike="noStrike" kern="0" cap="none" spc="0" normalizeH="0" baseline="0" noProof="0" dirty="0" smtClean="0">
-                <a:ln>
-                  <a:noFill/>
-                </a:ln>
+              <a:t>Objectifs</a:t>
+            </a:r>
+            <a:r>
+              <a:rPr lang="fr-FR" sz="1400" b="0" kern="0" dirty="0" smtClean="0">
                 <a:solidFill>
                   <a:schemeClr val="tx1"/>
                 </a:solidFill>
-                <a:effectLst/>
-                <a:uLnTx/>
-                <a:uFillTx/>
-                <a:latin typeface="Verdana" pitchFamily="1" charset="0"/>
-                <a:ea typeface="+mj-ea"/>
-                <a:cs typeface="+mj-cs"/>
               </a:rPr>
-              <a:t> – Jalons</a:t>
-            </a:r>
-            <a:r>
-              <a:rPr kumimoji="0" lang="fr-FR" sz="1400" b="0" i="0" u="none" strike="noStrike" kern="0" cap="none" spc="0" normalizeH="0" noProof="0" dirty="0" smtClean="0">
-                <a:ln>
-                  <a:noFill/>
-                </a:ln>
+              <a:t> - Etapes</a:t>
+            </a:r>
+          </a:p>
+        </p:txBody>
+      </p:sp>
+      <p:sp>
+        <p:nvSpPr>
+          <p:cNvPr id="10" name="Espace réservé du contenu 2" descr="../"/>
+          <p:cNvSpPr>
+            <a:spLocks noGrp="1"/>
+          </p:cNvSpPr>
+          <p:nvPr>
+            <p:ph idx="1"/>
+          </p:nvPr>
+        </p:nvSpPr>
+        <p:spPr>
+          <a:xfrm>
+            <a:off x="1371600" y="1828800"/>
+            <a:ext cx="7086600" cy="4114800"/>
+          </a:xfrm>
+        </p:spPr>
+        <p:txBody>
+          <a:bodyPr/>
+          <a:lstStyle/>
+          <a:p>
+            <a:pPr>
+              <a:buNone/>
+            </a:pPr>
+            <a:r>
+              <a:rPr lang="fr-CH" sz="2000" b="1" dirty="0" smtClean="0">
                 <a:solidFill>
-                  <a:schemeClr val="tx1"/>
+                  <a:srgbClr val="0070C0"/>
                 </a:solidFill>
-                <a:effectLst/>
-                <a:uLnTx/>
-                <a:uFillTx/>
-                <a:latin typeface="Verdana" pitchFamily="1" charset="0"/>
-                <a:ea typeface="+mj-ea"/>
-                <a:cs typeface="+mj-cs"/>
               </a:rPr>
-              <a:t> – Cahier des charges</a:t>
-            </a:r>
-            <a:endParaRPr kumimoji="0" lang="fr-FR" sz="1400" b="0" i="0" u="none" strike="noStrike" kern="0" cap="none" spc="0" normalizeH="0" baseline="0" noProof="0" dirty="0" smtClean="0">
-              <a:ln>
-                <a:noFill/>
-              </a:ln>
-              <a:solidFill>
-                <a:schemeClr val="tx1"/>
-              </a:solidFill>
-              <a:effectLst/>
-              <a:uLnTx/>
-              <a:uFillTx/>
-              <a:latin typeface="Verdana" pitchFamily="1" charset="0"/>
-              <a:ea typeface="+mj-ea"/>
-              <a:cs typeface="+mj-cs"/>
-            </a:endParaRPr>
-          </a:p>
-        </p:txBody>
-      </p:sp>
-      <p:pic>
-        <p:nvPicPr>
-          <p:cNvPr id="8" name="Picture 2"/>
-          <p:cNvPicPr>
-            <a:picLocks noChangeAspect="1" noChangeArrowheads="1"/>
-          </p:cNvPicPr>
-          <p:nvPr/>
-        </p:nvPicPr>
-        <p:blipFill>
-          <a:blip r:embed="rId2" cstate="print"/>
-          <a:srcRect/>
-          <a:stretch>
-            <a:fillRect/>
-          </a:stretch>
-        </p:blipFill>
-        <p:spPr bwMode="auto">
-          <a:xfrm>
-            <a:off x="1475657" y="1484784"/>
-            <a:ext cx="7416824" cy="4549139"/>
-          </a:xfrm>
-          <a:prstGeom prst="rect">
-            <a:avLst/>
-          </a:prstGeom>
-          <a:noFill/>
-          <a:ln w="9525">
-            <a:noFill/>
-            <a:miter lim="800000"/>
-            <a:headEnd/>
-            <a:tailEnd/>
-          </a:ln>
-        </p:spPr>
-      </p:pic>
+              <a:t>Objectifs</a:t>
+            </a:r>
+            <a:r>
+              <a:rPr lang="fr-CH" sz="1600" b="1" dirty="0" smtClean="0">
+                <a:solidFill>
+                  <a:srgbClr val="0070C0"/>
+                </a:solidFill>
+              </a:rPr>
+              <a:t> :</a:t>
+            </a:r>
+          </a:p>
+          <a:p>
+            <a:endParaRPr lang="fr-CH" sz="1600" dirty="0" smtClean="0"/>
+          </a:p>
+          <a:p>
+            <a:pPr>
+              <a:buNone/>
+            </a:pPr>
+            <a:endParaRPr lang="fr-CH" sz="1600" dirty="0" smtClean="0"/>
+          </a:p>
+          <a:p>
+            <a:pPr>
+              <a:buNone/>
+            </a:pPr>
+            <a:endParaRPr lang="fr-CH" sz="1600" dirty="0" smtClean="0"/>
+          </a:p>
+          <a:p>
+            <a:r>
+              <a:rPr lang="fr-CH" sz="2000" dirty="0" smtClean="0"/>
+              <a:t>Etudier les différentes techniques d’</a:t>
+            </a:r>
+            <a:r>
+              <a:rPr lang="fr-CH" sz="2000" dirty="0" err="1" smtClean="0"/>
+              <a:t>obfuscation</a:t>
+            </a:r>
+            <a:r>
+              <a:rPr lang="fr-CH" sz="2000" dirty="0" smtClean="0"/>
+              <a:t>.</a:t>
+            </a:r>
+          </a:p>
+          <a:p>
+            <a:r>
+              <a:rPr lang="fr-CH" sz="2000" dirty="0" smtClean="0"/>
+              <a:t>Créer un </a:t>
+            </a:r>
+            <a:r>
+              <a:rPr lang="fr-CH" sz="2000" dirty="0" err="1" smtClean="0"/>
+              <a:t>obfuscateur</a:t>
+            </a:r>
+            <a:r>
+              <a:rPr lang="fr-CH" sz="2000" dirty="0" smtClean="0"/>
+              <a:t> de code</a:t>
+            </a:r>
+          </a:p>
+          <a:p>
+            <a:endParaRPr lang="fr-CH" sz="1600" dirty="0" smtClean="0"/>
+          </a:p>
+        </p:txBody>
+      </p:sp>
     </p:spTree>
   </p:cSld>
   <p:clrMapOvr>
@@ -3431,6 +3357,116 @@
       </p:sp>
       <p:sp>
         <p:nvSpPr>
+          <p:cNvPr id="8195" name="Espace réservé du contenu 2" descr="../"/>
+          <p:cNvSpPr>
+            <a:spLocks noGrp="1"/>
+          </p:cNvSpPr>
+          <p:nvPr>
+            <p:ph idx="1"/>
+          </p:nvPr>
+        </p:nvSpPr>
+        <p:spPr/>
+        <p:txBody>
+          <a:bodyPr/>
+          <a:lstStyle/>
+          <a:p>
+            <a:pPr>
+              <a:buNone/>
+            </a:pPr>
+            <a:r>
+              <a:rPr lang="fr-CH" sz="2000" b="1" dirty="0" smtClean="0">
+                <a:solidFill>
+                  <a:srgbClr val="0070C0"/>
+                </a:solidFill>
+              </a:rPr>
+              <a:t>Etapes du projet:</a:t>
+            </a:r>
+            <a:endParaRPr lang="fr-CH" sz="2000" b="1" dirty="0" smtClean="0">
+              <a:solidFill>
+                <a:srgbClr val="0070C0"/>
+              </a:solidFill>
+            </a:endParaRPr>
+          </a:p>
+          <a:p>
+            <a:endParaRPr lang="fr-CH" sz="1800" dirty="0" smtClean="0"/>
+          </a:p>
+          <a:p>
+            <a:r>
+              <a:rPr lang="fr-CH" sz="1800" dirty="0" smtClean="0"/>
+              <a:t>Comprendre le langage assembleur des processeurs ARM</a:t>
+            </a:r>
+          </a:p>
+          <a:p>
+            <a:r>
+              <a:rPr lang="fr-CH" sz="1800" dirty="0" smtClean="0"/>
+              <a:t>Comprendre la structure </a:t>
+            </a:r>
+            <a:r>
+              <a:rPr lang="fr-CH" sz="1800" dirty="0" err="1" smtClean="0"/>
+              <a:t>elf</a:t>
+            </a:r>
+            <a:endParaRPr lang="fr-CH" sz="1800" dirty="0" smtClean="0"/>
+          </a:p>
+          <a:p>
+            <a:r>
+              <a:rPr lang="fr-CH" sz="1800" dirty="0" smtClean="0"/>
+              <a:t>Essayer le reverse-engineering : obtenir le code assembleur à partir d’un exécutable</a:t>
+            </a:r>
+          </a:p>
+          <a:p>
+            <a:r>
+              <a:rPr lang="fr-CH" sz="1800" dirty="0" smtClean="0"/>
+              <a:t>Maitriser quelques techniques d’</a:t>
+            </a:r>
+            <a:r>
+              <a:rPr lang="fr-CH" sz="1800" dirty="0" err="1" smtClean="0"/>
+              <a:t>obfuscation</a:t>
+            </a:r>
+            <a:endParaRPr lang="fr-CH" sz="1800" dirty="0" smtClean="0"/>
+          </a:p>
+          <a:p>
+            <a:r>
+              <a:rPr lang="fr-CH" sz="1800" dirty="0" smtClean="0"/>
+              <a:t>Ecrire un programme qui permet d’</a:t>
+            </a:r>
+            <a:r>
+              <a:rPr lang="fr-CH" sz="1800" dirty="0" err="1" smtClean="0"/>
+              <a:t>obfusquer</a:t>
+            </a:r>
+            <a:r>
+              <a:rPr lang="fr-CH" sz="1800" dirty="0" smtClean="0"/>
+              <a:t> l’exécutable d’un programme simple</a:t>
+            </a:r>
+          </a:p>
+          <a:p>
+            <a:r>
+              <a:rPr lang="fr-CH" sz="1800" dirty="0" smtClean="0"/>
+              <a:t>Ecrire un programme qui permet d’</a:t>
+            </a:r>
+            <a:r>
+              <a:rPr lang="fr-CH" sz="1800" dirty="0" err="1" smtClean="0"/>
+              <a:t>obfusquer</a:t>
+            </a:r>
+            <a:r>
+              <a:rPr lang="fr-CH" sz="1800" dirty="0" smtClean="0"/>
+              <a:t> le code assembleur d’un programme simple</a:t>
+            </a:r>
+          </a:p>
+          <a:p>
+            <a:r>
+              <a:rPr lang="fr-CH" sz="1800" dirty="0" smtClean="0"/>
+              <a:t>Comparaison des deux méthodes</a:t>
+            </a:r>
+          </a:p>
+          <a:p>
+            <a:endParaRPr lang="fr-FR" sz="1800" dirty="0" smtClean="0">
+              <a:latin typeface="Verdana" pitchFamily="1" charset="0"/>
+            </a:endParaRPr>
+          </a:p>
+        </p:txBody>
+      </p:sp>
+      <p:sp>
+        <p:nvSpPr>
           <p:cNvPr id="8196" name="Espace réservé du pied de page 3"/>
           <p:cNvSpPr>
             <a:spLocks noGrp="1"/>
@@ -3554,586 +3590,28 @@
           </a:bodyPr>
           <a:lstStyle/>
           <a:p>
-            <a:pPr marL="0" marR="0" lvl="0" indent="0" algn="r" defTabSz="914400" rtl="0" eaLnBrk="0" fontAlgn="base" latinLnBrk="0" hangingPunct="0">
-              <a:lnSpc>
-                <a:spcPct val="100000"/>
-              </a:lnSpc>
+            <a:pPr lvl="0" algn="r" eaLnBrk="0" hangingPunct="0">
               <a:spcBef>
                 <a:spcPct val="0"/>
               </a:spcBef>
-              <a:spcAft>
-                <a:spcPct val="0"/>
-              </a:spcAft>
-              <a:buClrTx/>
-              <a:buSzTx/>
-              <a:buFontTx/>
-              <a:buNone/>
-              <a:tabLst/>
               <a:defRPr/>
             </a:pPr>
             <a:r>
-              <a:rPr kumimoji="0" lang="fr-FR" sz="1400" b="0" i="0" u="none" strike="noStrike" kern="0" cap="none" spc="0" normalizeH="0" baseline="0" noProof="0" dirty="0" smtClean="0">
-                <a:ln>
-                  <a:noFill/>
-                </a:ln>
+              <a:rPr lang="fr-FR" sz="1400" b="0" kern="0" dirty="0" smtClean="0">
                 <a:solidFill>
                   <a:schemeClr val="tx1"/>
                 </a:solidFill>
-                <a:effectLst/>
-                <a:uLnTx/>
-                <a:uFillTx/>
-                <a:latin typeface="Verdana" pitchFamily="1" charset="0"/>
-                <a:ea typeface="+mj-ea"/>
-                <a:cs typeface="+mj-cs"/>
               </a:rPr>
-              <a:t>Contexte du projet – Objectifs – Planning – </a:t>
-            </a:r>
-            <a:r>
-              <a:rPr kumimoji="0" lang="fr-FR" sz="1400" i="0" u="none" strike="noStrike" kern="0" cap="none" spc="0" normalizeH="0" baseline="0" noProof="0" dirty="0" smtClean="0">
-                <a:ln>
-                  <a:noFill/>
-                </a:ln>
-                <a:solidFill>
-                  <a:srgbClr val="0070C0"/>
-                </a:solidFill>
-                <a:effectLst/>
-                <a:uLnTx/>
-                <a:uFillTx/>
-                <a:latin typeface="Verdana" pitchFamily="1" charset="0"/>
-                <a:ea typeface="+mj-ea"/>
-                <a:cs typeface="+mj-cs"/>
-              </a:rPr>
-              <a:t>Jalons</a:t>
-            </a:r>
-            <a:r>
-              <a:rPr kumimoji="0" lang="fr-FR" sz="1400" b="0" i="0" u="none" strike="noStrike" kern="0" cap="none" spc="0" normalizeH="0" noProof="0" dirty="0" smtClean="0">
-                <a:ln>
-                  <a:noFill/>
-                </a:ln>
-                <a:solidFill>
-                  <a:schemeClr val="tx1"/>
-                </a:solidFill>
-                <a:effectLst/>
-                <a:uLnTx/>
-                <a:uFillTx/>
-                <a:latin typeface="Verdana" pitchFamily="1" charset="0"/>
-                <a:ea typeface="+mj-ea"/>
-                <a:cs typeface="+mj-cs"/>
-              </a:rPr>
-              <a:t> – Cahier des charges</a:t>
-            </a:r>
-            <a:endParaRPr kumimoji="0" lang="fr-FR" sz="1400" b="0" i="0" u="none" strike="noStrike" kern="0" cap="none" spc="0" normalizeH="0" baseline="0" noProof="0" dirty="0" smtClean="0">
-              <a:ln>
-                <a:noFill/>
-              </a:ln>
-              <a:solidFill>
-                <a:schemeClr val="tx1"/>
-              </a:solidFill>
-              <a:effectLst/>
-              <a:uLnTx/>
-              <a:uFillTx/>
-              <a:latin typeface="Verdana" pitchFamily="1" charset="0"/>
-              <a:ea typeface="+mj-ea"/>
-              <a:cs typeface="+mj-cs"/>
-            </a:endParaRPr>
-          </a:p>
-        </p:txBody>
-      </p:sp>
-      <p:sp>
-        <p:nvSpPr>
-          <p:cNvPr id="8" name="Espace réservé du contenu 7"/>
-          <p:cNvSpPr txBox="1">
-            <a:spLocks noGrp="1"/>
-          </p:cNvSpPr>
-          <p:nvPr>
-            <p:ph idx="1"/>
-          </p:nvPr>
-        </p:nvSpPr>
-        <p:spPr>
-          <a:xfrm>
-            <a:off x="1371600" y="1828800"/>
-            <a:ext cx="7086600" cy="3477875"/>
-          </a:xfrm>
-          <a:prstGeom prst="rect">
-            <a:avLst/>
-          </a:prstGeom>
-          <a:noFill/>
-        </p:spPr>
-        <p:txBody>
-          <a:bodyPr wrap="square" rtlCol="0">
-            <a:spAutoFit/>
-          </a:bodyPr>
-          <a:lstStyle/>
-          <a:p>
-            <a:pPr>
-              <a:buNone/>
-            </a:pPr>
-            <a:r>
-              <a:rPr lang="fr-CH" sz="2000" b="1" dirty="0" smtClean="0">
+              <a:t>Contexte du projet – Définition - Objectifs - </a:t>
+            </a:r>
+            <a:r>
+              <a:rPr lang="fr-FR" sz="1400" kern="0" dirty="0" smtClean="0">
                 <a:solidFill>
                   <a:srgbClr val="0070C0"/>
                 </a:solidFill>
               </a:rPr>
-              <a:t>Jalons</a:t>
-            </a:r>
-          </a:p>
-          <a:p>
-            <a:endParaRPr lang="fr-CH" sz="2000" dirty="0"/>
-          </a:p>
-          <a:p>
-            <a:r>
-              <a:rPr lang="fr-CH" sz="2000" dirty="0"/>
-              <a:t>Jalon 1 : fixé à la semaine A11, nous présenteront un prototype fonctionnel d’un </a:t>
-            </a:r>
-            <a:r>
-              <a:rPr lang="fr-CH" sz="2000" dirty="0" err="1"/>
-              <a:t>obfuscateur</a:t>
-            </a:r>
-            <a:r>
-              <a:rPr lang="fr-CH" sz="2000" dirty="0"/>
-              <a:t> simple </a:t>
-            </a:r>
-            <a:r>
-              <a:rPr lang="fr-CH" sz="2000" dirty="0" smtClean="0"/>
-              <a:t>que nous </a:t>
-            </a:r>
-            <a:r>
-              <a:rPr lang="fr-CH" sz="2000" dirty="0"/>
-              <a:t>pouvons opérer sur des instructions if et </a:t>
-            </a:r>
-            <a:r>
-              <a:rPr lang="fr-CH" sz="2000" dirty="0" err="1"/>
-              <a:t>while</a:t>
-            </a:r>
-            <a:r>
-              <a:rPr lang="fr-CH" sz="2000" dirty="0"/>
-              <a:t>.</a:t>
-            </a:r>
-          </a:p>
-          <a:p>
-            <a:r>
-              <a:rPr lang="fr-CH" sz="2000" dirty="0"/>
-              <a:t>Jalon 2 : fixé à la semaine A14, nous présenteront le programme final deux semaines avant le rendu </a:t>
-            </a:r>
-            <a:r>
-              <a:rPr lang="fr-CH" sz="2000" dirty="0" smtClean="0"/>
-              <a:t>final pour </a:t>
-            </a:r>
-            <a:r>
-              <a:rPr lang="fr-CH" sz="2000" dirty="0"/>
-              <a:t>vérifier les dernières modifications à rajouter.</a:t>
-            </a:r>
-          </a:p>
-        </p:txBody>
-      </p:sp>
-    </p:spTree>
-  </p:cSld>
-  <p:clrMapOvr>
-    <a:masterClrMapping/>
-  </p:clrMapOvr>
-</p:sld>
-</file>
-
-<file path=ppt/slides/slide6.xml><?xml version="1.0" encoding="utf-8"?>
-<p:sld xmlns:a="http://schemas.openxmlformats.org/drawingml/2006/main" xmlns:r="http://schemas.openxmlformats.org/officeDocument/2006/relationships" xmlns:p="http://schemas.openxmlformats.org/presentationml/2006/main">
-  <p:cSld>
-    <p:spTree>
-      <p:nvGrpSpPr>
-        <p:cNvPr id="1" name=""/>
-        <p:cNvGrpSpPr/>
-        <p:nvPr/>
-      </p:nvGrpSpPr>
-      <p:grpSpPr>
-        <a:xfrm>
-          <a:off x="0" y="0"/>
-          <a:ext cx="0" cy="0"/>
-          <a:chOff x="0" y="0"/>
-          <a:chExt cx="0" cy="0"/>
-        </a:xfrm>
-      </p:grpSpPr>
-      <p:sp>
-        <p:nvSpPr>
-          <p:cNvPr id="8194" name="Titre 1"/>
-          <p:cNvSpPr>
-            <a:spLocks noGrp="1"/>
-          </p:cNvSpPr>
-          <p:nvPr>
-            <p:ph type="title"/>
-          </p:nvPr>
-        </p:nvSpPr>
-        <p:spPr>
-          <a:xfrm>
-            <a:off x="388938" y="742936"/>
-            <a:ext cx="7086600" cy="685800"/>
-          </a:xfrm>
-        </p:spPr>
-        <p:txBody>
-          <a:bodyPr/>
-          <a:lstStyle/>
-          <a:p>
-            <a:r>
-              <a:rPr lang="fr-FR" dirty="0" smtClean="0">
-                <a:latin typeface="Verdana" pitchFamily="1" charset="0"/>
-              </a:rPr>
-              <a:t>Code </a:t>
-            </a:r>
-            <a:r>
-              <a:rPr lang="fr-FR" dirty="0" err="1" smtClean="0">
-                <a:latin typeface="Verdana" pitchFamily="1" charset="0"/>
-              </a:rPr>
-              <a:t>Obfuscator</a:t>
-            </a:r>
-            <a:endParaRPr lang="fr-FR" dirty="0" smtClean="0">
-              <a:latin typeface="Verdana" pitchFamily="1" charset="0"/>
-            </a:endParaRPr>
-          </a:p>
-        </p:txBody>
-      </p:sp>
-      <p:sp>
-        <p:nvSpPr>
-          <p:cNvPr id="8195" name="Espace réservé du contenu 2" descr="../"/>
-          <p:cNvSpPr>
-            <a:spLocks noGrp="1"/>
-          </p:cNvSpPr>
-          <p:nvPr>
-            <p:ph idx="1"/>
-          </p:nvPr>
-        </p:nvSpPr>
-        <p:spPr/>
-        <p:txBody>
-          <a:bodyPr/>
-          <a:lstStyle/>
-          <a:p>
-            <a:pPr>
-              <a:buNone/>
-            </a:pPr>
-            <a:r>
-              <a:rPr lang="fr-CH" sz="1800" b="1" dirty="0" smtClean="0">
-                <a:solidFill>
-                  <a:srgbClr val="0070C0"/>
-                </a:solidFill>
-              </a:rPr>
-              <a:t>Cahier des charges:</a:t>
-            </a:r>
-          </a:p>
-          <a:p>
-            <a:endParaRPr lang="fr-CH" sz="1800" dirty="0" smtClean="0"/>
-          </a:p>
-          <a:p>
-            <a:r>
-              <a:rPr lang="fr-CH" sz="1800" dirty="0" smtClean="0"/>
-              <a:t>Comprendre </a:t>
-            </a:r>
-            <a:r>
-              <a:rPr lang="fr-CH" sz="1800" dirty="0" smtClean="0"/>
-              <a:t>le langage assembleur des </a:t>
-            </a:r>
-            <a:r>
-              <a:rPr lang="fr-CH" sz="1800" dirty="0" smtClean="0"/>
-              <a:t>processeurs ARM</a:t>
-            </a:r>
-            <a:endParaRPr lang="fr-CH" sz="1800" dirty="0" smtClean="0"/>
-          </a:p>
-          <a:p>
-            <a:r>
-              <a:rPr lang="fr-CH" sz="1800" dirty="0" smtClean="0"/>
-              <a:t>Comprendre </a:t>
-            </a:r>
-            <a:r>
-              <a:rPr lang="fr-CH" sz="1800" dirty="0" smtClean="0"/>
-              <a:t>la structure </a:t>
-            </a:r>
-            <a:r>
-              <a:rPr lang="fr-CH" sz="1800" dirty="0" err="1" smtClean="0"/>
-              <a:t>elf</a:t>
-            </a:r>
-            <a:endParaRPr lang="fr-CH" sz="1800" dirty="0" smtClean="0"/>
-          </a:p>
-          <a:p>
-            <a:r>
-              <a:rPr lang="fr-CH" sz="1800" dirty="0" smtClean="0"/>
-              <a:t>Essayer </a:t>
-            </a:r>
-            <a:r>
-              <a:rPr lang="fr-CH" sz="1800" dirty="0" smtClean="0"/>
-              <a:t>le reverse-engineering : obtenir le code assembleur à partir d’un exécutable</a:t>
-            </a:r>
-          </a:p>
-          <a:p>
-            <a:r>
-              <a:rPr lang="fr-CH" sz="1800" dirty="0" smtClean="0"/>
-              <a:t>Maitriser </a:t>
-            </a:r>
-            <a:r>
-              <a:rPr lang="fr-CH" sz="1800" dirty="0" smtClean="0"/>
-              <a:t>quelques techniques d’</a:t>
-            </a:r>
-            <a:r>
-              <a:rPr lang="fr-CH" sz="1800" dirty="0" err="1" smtClean="0"/>
-              <a:t>obfuscation</a:t>
-            </a:r>
-            <a:endParaRPr lang="fr-CH" sz="1800" dirty="0" smtClean="0"/>
-          </a:p>
-          <a:p>
-            <a:r>
-              <a:rPr lang="fr-CH" sz="1800" dirty="0" smtClean="0"/>
-              <a:t>Ecrire </a:t>
-            </a:r>
-            <a:r>
-              <a:rPr lang="fr-CH" sz="1800" dirty="0" smtClean="0"/>
-              <a:t>un programme qui permet d’</a:t>
-            </a:r>
-            <a:r>
-              <a:rPr lang="fr-CH" sz="1800" dirty="0" err="1" smtClean="0"/>
-              <a:t>obfusquer</a:t>
-            </a:r>
-            <a:r>
-              <a:rPr lang="fr-CH" sz="1800" dirty="0" smtClean="0"/>
-              <a:t> l’exécutable d’un programme simple</a:t>
-            </a:r>
-          </a:p>
-          <a:p>
-            <a:r>
-              <a:rPr lang="fr-CH" sz="1800" dirty="0" smtClean="0"/>
-              <a:t>Ecrire </a:t>
-            </a:r>
-            <a:r>
-              <a:rPr lang="fr-CH" sz="1800" dirty="0" smtClean="0"/>
-              <a:t>un programme qui permet d’</a:t>
-            </a:r>
-            <a:r>
-              <a:rPr lang="fr-CH" sz="1800" dirty="0" err="1" smtClean="0"/>
-              <a:t>obfusquer</a:t>
-            </a:r>
-            <a:r>
-              <a:rPr lang="fr-CH" sz="1800" dirty="0" smtClean="0"/>
-              <a:t> le code assembleur d’un programme simple</a:t>
-            </a:r>
-          </a:p>
-          <a:p>
-            <a:r>
-              <a:rPr lang="fr-CH" sz="1800" dirty="0" smtClean="0"/>
-              <a:t>Comparaison </a:t>
-            </a:r>
-            <a:r>
-              <a:rPr lang="fr-CH" sz="1800" dirty="0" smtClean="0"/>
-              <a:t>des deux méthodes</a:t>
-            </a:r>
-          </a:p>
-          <a:p>
-            <a:endParaRPr lang="fr-FR" sz="1800" dirty="0" smtClean="0">
-              <a:latin typeface="Verdana" pitchFamily="1" charset="0"/>
-            </a:endParaRPr>
-          </a:p>
-        </p:txBody>
-      </p:sp>
-      <p:sp>
-        <p:nvSpPr>
-          <p:cNvPr id="8196" name="Espace réservé du pied de page 3"/>
-          <p:cNvSpPr>
-            <a:spLocks noGrp="1"/>
-          </p:cNvSpPr>
-          <p:nvPr>
-            <p:ph type="ftr" sz="quarter" idx="10"/>
-          </p:nvPr>
-        </p:nvSpPr>
-        <p:spPr>
-          <a:noFill/>
-        </p:spPr>
-        <p:txBody>
-          <a:bodyPr/>
-          <a:lstStyle/>
-          <a:p>
-            <a:r>
-              <a:rPr lang="fr-FR" altLang="fr-FR" smtClean="0">
-                <a:latin typeface="Verdana" pitchFamily="1" charset="0"/>
-              </a:rPr>
-              <a:t>Auteur</a:t>
-            </a:r>
-          </a:p>
-        </p:txBody>
-      </p:sp>
-      <p:sp>
-        <p:nvSpPr>
-          <p:cNvPr id="8197" name="Espace réservé du numéro de diapositive 4"/>
-          <p:cNvSpPr>
-            <a:spLocks noGrp="1"/>
-          </p:cNvSpPr>
-          <p:nvPr>
-            <p:ph type="sldNum" sz="quarter" idx="11"/>
-          </p:nvPr>
-        </p:nvSpPr>
-        <p:spPr>
-          <a:noFill/>
-        </p:spPr>
-        <p:txBody>
-          <a:bodyPr/>
-          <a:lstStyle/>
-          <a:p>
-            <a:fld id="{AAFB5536-8273-4CF7-9A5E-8D5DAF52B56E}" type="slidenum">
-              <a:rPr lang="fr-FR" altLang="fr-FR" smtClean="0">
-                <a:latin typeface="Verdana" pitchFamily="1" charset="0"/>
-              </a:rPr>
-              <a:pPr/>
-              <a:t>6</a:t>
-            </a:fld>
-            <a:endParaRPr lang="fr-FR" altLang="fr-FR" smtClean="0">
-              <a:latin typeface="Verdana" pitchFamily="1" charset="0"/>
-            </a:endParaRPr>
-          </a:p>
-        </p:txBody>
-      </p:sp>
-      <p:sp>
-        <p:nvSpPr>
-          <p:cNvPr id="8198" name="Espace réservé de la date 5"/>
-          <p:cNvSpPr>
-            <a:spLocks noGrp="1"/>
-          </p:cNvSpPr>
-          <p:nvPr>
-            <p:ph type="dt" sz="quarter" idx="12"/>
-          </p:nvPr>
-        </p:nvSpPr>
-        <p:spPr bwMode="auto">
-          <a:xfrm>
-            <a:off x="4929190" y="184150"/>
-            <a:ext cx="4071966" cy="365125"/>
-          </a:xfrm>
-          <a:noFill/>
-          <a:ln>
-            <a:miter lim="800000"/>
-            <a:headEnd/>
-            <a:tailEnd/>
-          </a:ln>
-        </p:spPr>
-        <p:txBody>
-          <a:bodyPr wrap="square" numCol="1" anchorCtr="0" compatLnSpc="1">
-            <a:prstTxWarp prst="textNoShape">
-              <a:avLst/>
-            </a:prstTxWarp>
-          </a:bodyPr>
-          <a:lstStyle/>
-          <a:p>
-            <a:r>
-              <a:rPr lang="fr-FR" dirty="0" smtClean="0"/>
-              <a:t>Département • date</a:t>
-            </a:r>
-          </a:p>
-        </p:txBody>
-      </p:sp>
-      <p:sp>
-        <p:nvSpPr>
-          <p:cNvPr id="7" name="Titre 1"/>
-          <p:cNvSpPr txBox="1">
-            <a:spLocks/>
-          </p:cNvSpPr>
-          <p:nvPr/>
-        </p:nvSpPr>
-        <p:spPr bwMode="auto">
-          <a:xfrm>
-            <a:off x="1403648" y="6165304"/>
-            <a:ext cx="7086600" cy="397768"/>
-          </a:xfrm>
-          <a:prstGeom prst="rect">
-            <a:avLst/>
-          </a:prstGeom>
-          <a:noFill/>
-          <a:ln w="9525">
-            <a:noFill/>
-            <a:miter lim="800000"/>
-            <a:headEnd/>
-            <a:tailEnd/>
-          </a:ln>
-        </p:spPr>
-        <p:txBody>
-          <a:bodyPr vert="horz" wrap="none" lIns="91440" tIns="45720" rIns="91440" bIns="45720" numCol="1" anchor="b" anchorCtr="0" compatLnSpc="1">
-            <a:prstTxWarp prst="textNoShape">
-              <a:avLst/>
-            </a:prstTxWarp>
-          </a:bodyPr>
-          <a:lstStyle/>
-          <a:p>
-            <a:pPr marL="0" marR="0" lvl="0" indent="0" algn="r" defTabSz="914400" rtl="0" eaLnBrk="0" fontAlgn="base" latinLnBrk="0" hangingPunct="0">
-              <a:lnSpc>
-                <a:spcPct val="100000"/>
-              </a:lnSpc>
-              <a:spcBef>
-                <a:spcPct val="0"/>
-              </a:spcBef>
-              <a:spcAft>
-                <a:spcPct val="0"/>
-              </a:spcAft>
-              <a:buClrTx/>
-              <a:buSzTx/>
-              <a:buFontTx/>
-              <a:buNone/>
-              <a:tabLst/>
-              <a:defRPr/>
-            </a:pPr>
-            <a:r>
-              <a:rPr kumimoji="0" lang="fr-FR" sz="1400" b="0" i="0" u="none" strike="noStrike" kern="0" cap="none" spc="0" normalizeH="0" baseline="0" noProof="0" dirty="0" smtClean="0">
-                <a:ln>
-                  <a:noFill/>
-                </a:ln>
-                <a:solidFill>
-                  <a:schemeClr val="tx1"/>
-                </a:solidFill>
-                <a:effectLst/>
-                <a:uLnTx/>
-                <a:uFillTx/>
-                <a:latin typeface="Verdana" pitchFamily="1" charset="0"/>
-                <a:ea typeface="+mj-ea"/>
-                <a:cs typeface="+mj-cs"/>
-              </a:rPr>
-              <a:t>Contexte du projet – Objectifs – Planning – Jalons</a:t>
-            </a:r>
-            <a:r>
-              <a:rPr kumimoji="0" lang="fr-FR" sz="1400" b="0" i="0" u="none" strike="noStrike" kern="0" cap="none" spc="0" normalizeH="0" noProof="0" dirty="0" smtClean="0">
-                <a:ln>
-                  <a:noFill/>
-                </a:ln>
-                <a:solidFill>
-                  <a:schemeClr val="tx1"/>
-                </a:solidFill>
-                <a:effectLst/>
-                <a:uLnTx/>
-                <a:uFillTx/>
-                <a:latin typeface="Verdana" pitchFamily="1" charset="0"/>
-                <a:ea typeface="+mj-ea"/>
-                <a:cs typeface="+mj-cs"/>
-              </a:rPr>
-              <a:t> – </a:t>
-            </a:r>
-            <a:r>
-              <a:rPr kumimoji="0" lang="fr-FR" sz="1400" i="0" u="none" strike="noStrike" kern="0" cap="none" spc="0" normalizeH="0" noProof="0" dirty="0" smtClean="0">
-                <a:ln>
-                  <a:noFill/>
-                </a:ln>
-                <a:solidFill>
-                  <a:srgbClr val="0070C0"/>
-                </a:solidFill>
-                <a:effectLst/>
-                <a:uLnTx/>
-                <a:uFillTx/>
-                <a:latin typeface="Verdana" pitchFamily="1" charset="0"/>
-                <a:ea typeface="+mj-ea"/>
-                <a:cs typeface="+mj-cs"/>
-              </a:rPr>
-              <a:t>Cahier des charges</a:t>
-            </a:r>
-            <a:endParaRPr kumimoji="0" lang="fr-FR" sz="1400" i="0" u="none" strike="noStrike" kern="0" cap="none" spc="0" normalizeH="0" baseline="0" noProof="0" dirty="0" smtClean="0">
-              <a:ln>
-                <a:noFill/>
-              </a:ln>
-              <a:solidFill>
-                <a:srgbClr val="0070C0"/>
-              </a:solidFill>
-              <a:effectLst/>
-              <a:uLnTx/>
-              <a:uFillTx/>
-              <a:latin typeface="Verdana" pitchFamily="1" charset="0"/>
-              <a:ea typeface="+mj-ea"/>
-              <a:cs typeface="+mj-cs"/>
-            </a:endParaRPr>
+              <a:t>Etapes</a:t>
+            </a:r>
           </a:p>
         </p:txBody>
       </p:sp>

--- a/CahierDesCharges.pptx
+++ b/CahierDesCharges.pptx
@@ -2375,23 +2375,28 @@
             <a:pPr>
               <a:buNone/>
             </a:pPr>
-            <a:r>
-              <a:rPr lang="fr-CH" sz="1800" dirty="0" smtClean="0"/>
-              <a:t>	</a:t>
-            </a:r>
-            <a:endParaRPr lang="fr-CH" sz="1800" dirty="0" smtClean="0"/>
+            <a:endParaRPr lang="fr-CH" sz="2000" dirty="0" smtClean="0"/>
+          </a:p>
+          <a:p>
+            <a:r>
+              <a:rPr lang="fr-CH" sz="2000" dirty="0" smtClean="0"/>
+              <a:t>Rendre difficile le reverse-engineering</a:t>
+            </a:r>
           </a:p>
           <a:p>
             <a:pPr>
               <a:buNone/>
             </a:pPr>
-            <a:r>
-              <a:rPr lang="fr-CH" sz="1800" dirty="0" smtClean="0"/>
-              <a:t>	Dans </a:t>
-            </a:r>
-            <a:r>
-              <a:rPr lang="fr-CH" sz="1800" dirty="0" smtClean="0"/>
-              <a:t>le cadre d'un projet de recherche, le groupe de compétences IT Security veut rendre difficile</a:t>
+            <a:endParaRPr lang="fr-CH" sz="2000" dirty="0" smtClean="0"/>
+          </a:p>
+          <a:p>
+            <a:r>
+              <a:rPr lang="fr-CH" sz="2000" dirty="0" smtClean="0"/>
+              <a:t>Protéger les codes sources</a:t>
+            </a:r>
+            <a:r>
+              <a:rPr lang="fr-CH" sz="2000" dirty="0" smtClean="0"/>
+              <a:t>	</a:t>
             </a:r>
           </a:p>
           <a:p>
@@ -2400,62 +2405,9 @@
             </a:pPr>
             <a:r>
               <a:rPr lang="fr-CH" sz="1800" dirty="0" smtClean="0"/>
-              <a:t>	le reverse-engineering d'un programme </a:t>
-            </a:r>
-            <a:r>
-              <a:rPr lang="fr-CH" sz="1800" dirty="0" err="1" smtClean="0"/>
-              <a:t>executable</a:t>
-            </a:r>
-            <a:r>
-              <a:rPr lang="fr-CH" sz="1800" dirty="0" smtClean="0"/>
-              <a:t>.</a:t>
-            </a:r>
-          </a:p>
-          <a:p>
-            <a:pPr>
-              <a:buNone/>
-            </a:pPr>
-            <a:r>
-              <a:rPr lang="fr-CH" sz="1800" dirty="0" smtClean="0"/>
-              <a:t>	En effet des utilitaires comme </a:t>
-            </a:r>
-            <a:r>
-              <a:rPr lang="fr-CH" sz="1800" dirty="0" err="1" smtClean="0"/>
-              <a:t>objdump</a:t>
-            </a:r>
-            <a:r>
-              <a:rPr lang="fr-CH" sz="1800" dirty="0" smtClean="0"/>
-              <a:t> ou </a:t>
-            </a:r>
-            <a:r>
-              <a:rPr lang="fr-CH" sz="1800" dirty="0" err="1" smtClean="0"/>
-              <a:t>IDAPro</a:t>
-            </a:r>
-            <a:r>
-              <a:rPr lang="fr-CH" sz="1800" dirty="0" smtClean="0"/>
-              <a:t> permettent facilement de trouver le code</a:t>
-            </a:r>
-          </a:p>
-          <a:p>
-            <a:pPr>
-              <a:buNone/>
-            </a:pPr>
-            <a:r>
-              <a:rPr lang="fr-CH" sz="1800" dirty="0" smtClean="0"/>
-              <a:t>	assembleur et de là retrouver des algorithmes industriels qui sont peut-être des secrets de</a:t>
-            </a:r>
-          </a:p>
-          <a:p>
-            <a:pPr>
-              <a:buNone/>
-            </a:pPr>
-            <a:r>
-              <a:rPr lang="fr-CH" sz="1800" dirty="0" smtClean="0"/>
-              <a:t>	fabrications d'une entreprise</a:t>
-            </a:r>
-            <a:endParaRPr lang="fr-FR" sz="1800" dirty="0" smtClean="0">
-              <a:latin typeface="Verdana" pitchFamily="1" charset="0"/>
-            </a:endParaRPr>
+              <a:t>	</a:t>
+            </a:r>
+            <a:endParaRPr lang="fr-CH" sz="1800" dirty="0" smtClean="0"/>
           </a:p>
         </p:txBody>
       </p:sp>
@@ -2776,9 +2728,16 @@
             </a:pPr>
             <a:r>
               <a:rPr lang="fr-CH" sz="1800" dirty="0" smtClean="0"/>
-              <a:t>	Consiste à changer la structure du code initial d’un programme pour le rendre intelligible sans changer sa sémantique </a:t>
-            </a:r>
-            <a:endParaRPr lang="fr-CH" sz="1800" dirty="0" smtClean="0"/>
+              <a:t>	</a:t>
+            </a:r>
+            <a:r>
+              <a:rPr lang="fr-CH" sz="1800" dirty="0" smtClean="0"/>
+              <a:t>Rendre inintelligible sans changer la </a:t>
+            </a:r>
+            <a:r>
+              <a:rPr lang="fr-CH" sz="1800" dirty="0" smtClean="0"/>
+              <a:t>sémantique </a:t>
+            </a:r>
           </a:p>
           <a:p>
             <a:endParaRPr lang="fr-CH" sz="1600" dirty="0" smtClean="0"/>
@@ -3255,7 +3214,11 @@
           <a:p>
             <a:r>
               <a:rPr lang="fr-CH" sz="2000" dirty="0" smtClean="0"/>
-              <a:t>Etudier les différentes techniques d’</a:t>
+              <a:t>Etudier </a:t>
+            </a:r>
+            <a:r>
+              <a:rPr lang="fr-CH" sz="2000" dirty="0" smtClean="0"/>
+              <a:t>l’</a:t>
             </a:r>
             <a:r>
               <a:rPr lang="fr-CH" sz="2000" dirty="0" err="1" smtClean="0"/>
@@ -3381,11 +3344,6 @@
               </a:rPr>
               <a:t>Etapes du projet:</a:t>
             </a:r>
-            <a:endParaRPr lang="fr-CH" sz="2000" b="1" dirty="0" smtClean="0">
-              <a:solidFill>
-                <a:srgbClr val="0070C0"/>
-              </a:solidFill>
-            </a:endParaRPr>
           </a:p>
           <a:p>
             <a:endParaRPr lang="fr-CH" sz="1800" dirty="0" smtClean="0"/>

--- a/CahierDesCharges.pptx
+++ b/CahierDesCharges.pptx
@@ -5,10 +5,10 @@
     <p:sldMasterId id="2147483648" r:id="rId1"/>
   </p:sldMasterIdLst>
   <p:notesMasterIdLst>
-    <p:notesMasterId r:id="rId7"/>
+    <p:notesMasterId r:id="rId8"/>
   </p:notesMasterIdLst>
   <p:handoutMasterIdLst>
-    <p:handoutMasterId r:id="rId8"/>
+    <p:handoutMasterId r:id="rId9"/>
   </p:handoutMasterIdLst>
   <p:sldIdLst>
     <p:sldId id="260" r:id="rId2"/>
@@ -16,6 +16,7 @@
     <p:sldId id="261" r:id="rId4"/>
     <p:sldId id="262" r:id="rId5"/>
     <p:sldId id="264" r:id="rId6"/>
+    <p:sldId id="265" r:id="rId7"/>
   </p:sldIdLst>
   <p:sldSz cx="9144000" cy="6858000" type="screen4x3"/>
   <p:notesSz cx="6794500" cy="9906000"/>
@@ -2273,6 +2274,7 @@
   <p:clrMapOvr>
     <a:masterClrMapping/>
   </p:clrMapOvr>
+  <p:transition advTm="12215"/>
   <p:timing>
     <p:tnLst>
       <p:par>
@@ -2392,11 +2394,7 @@
           <a:p>
             <a:r>
               <a:rPr lang="fr-CH" sz="2000" dirty="0" smtClean="0"/>
-              <a:t>Protéger les codes sources</a:t>
-            </a:r>
-            <a:r>
-              <a:rPr lang="fr-CH" sz="2000" dirty="0" smtClean="0"/>
-              <a:t>	</a:t>
+              <a:t>Protéger les codes sources	</a:t>
             </a:r>
           </a:p>
           <a:p>
@@ -2407,7 +2405,6 @@
               <a:rPr lang="fr-CH" sz="1800" dirty="0" smtClean="0"/>
               <a:t>	</a:t>
             </a:r>
-            <a:endParaRPr lang="fr-CH" sz="1800" dirty="0" smtClean="0"/>
           </a:p>
         </p:txBody>
       </p:sp>
@@ -2626,6 +2623,7 @@
   <p:clrMapOvr>
     <a:masterClrMapping/>
   </p:clrMapOvr>
+  <p:transition advTm="47300"/>
   <p:timing>
     <p:tnLst>
       <p:par>
@@ -2701,7 +2699,12 @@
             <p:ph idx="1"/>
           </p:nvPr>
         </p:nvSpPr>
-        <p:spPr/>
+        <p:spPr>
+          <a:xfrm>
+            <a:off x="1371600" y="1828800"/>
+            <a:ext cx="7086600" cy="1168152"/>
+          </a:xfrm>
+        </p:spPr>
         <p:txBody>
           <a:bodyPr/>
           <a:lstStyle/>
@@ -2728,15 +2731,7 @@
             </a:pPr>
             <a:r>
               <a:rPr lang="fr-CH" sz="1800" dirty="0" smtClean="0"/>
-              <a:t>	</a:t>
-            </a:r>
-            <a:r>
-              <a:rPr lang="fr-CH" sz="1800" dirty="0" smtClean="0"/>
-              <a:t>Rendre inintelligible sans changer la </a:t>
-            </a:r>
-            <a:r>
-              <a:rPr lang="fr-CH" sz="1800" dirty="0" smtClean="0"/>
-              <a:t>sémantique </a:t>
+              <a:t>	Rendre inintelligible sans changer la sémantique </a:t>
             </a:r>
           </a:p>
           <a:p>
@@ -2933,6 +2928,7 @@
   <p:clrMapOvr>
     <a:masterClrMapping/>
   </p:clrMapOvr>
+  <p:transition advTm="146657"/>
   <p:timing>
     <p:tnLst>
       <p:par>
@@ -3214,11 +3210,7 @@
           <a:p>
             <a:r>
               <a:rPr lang="fr-CH" sz="2000" dirty="0" smtClean="0"/>
-              <a:t>Etudier </a:t>
-            </a:r>
-            <a:r>
-              <a:rPr lang="fr-CH" sz="2000" dirty="0" smtClean="0"/>
-              <a:t>l’</a:t>
+              <a:t>Etudier l’</a:t>
             </a:r>
             <a:r>
               <a:rPr lang="fr-CH" sz="2000" dirty="0" err="1" smtClean="0"/>
@@ -3253,6 +3245,7 @@
   <p:clrMapOvr>
     <a:masterClrMapping/>
   </p:clrMapOvr>
+  <p:transition advTm="48313"/>
   <p:timing>
     <p:tnLst>
       <p:par>
@@ -3360,16 +3353,25 @@
               <a:t>Comprendre la structure </a:t>
             </a:r>
             <a:r>
-              <a:rPr lang="fr-CH" sz="1800" dirty="0" err="1" smtClean="0"/>
-              <a:t>elf</a:t>
+              <a:rPr lang="fr-CH" sz="1800" dirty="0" smtClean="0"/>
+              <a:t>des exécutables</a:t>
+            </a:r>
+            <a:r>
+              <a:rPr lang="fr-CH" sz="1800" dirty="0" smtClean="0"/>
+              <a:t>.</a:t>
             </a:r>
             <a:endParaRPr lang="fr-CH" sz="1800" dirty="0" smtClean="0"/>
           </a:p>
           <a:p>
             <a:r>
               <a:rPr lang="fr-CH" sz="1800" dirty="0" smtClean="0"/>
-              <a:t>Essayer le reverse-engineering : obtenir le code assembleur à partir d’un exécutable</a:t>
-            </a:r>
+              <a:t>Effectuer </a:t>
+            </a:r>
+            <a:r>
+              <a:rPr lang="fr-CH" sz="1800" dirty="0" smtClean="0"/>
+              <a:t>le reverse-engineering</a:t>
+            </a:r>
+            <a:endParaRPr lang="fr-CH" sz="1800" dirty="0" smtClean="0"/>
           </a:p>
           <a:p>
             <a:r>
@@ -3578,6 +3580,175 @@
   <p:clrMapOvr>
     <a:masterClrMapping/>
   </p:clrMapOvr>
+  <p:transition advTm="117983"/>
+  <p:timing>
+    <p:tnLst>
+      <p:par>
+        <p:cTn id="1" dur="indefinite" restart="never" nodeType="tmRoot"/>
+      </p:par>
+    </p:tnLst>
+  </p:timing>
+</p:sld>
+</file>
+
+<file path=ppt/slides/slide6.xml><?xml version="1.0" encoding="utf-8"?>
+<p:sld xmlns:a="http://schemas.openxmlformats.org/drawingml/2006/main" xmlns:r="http://schemas.openxmlformats.org/officeDocument/2006/relationships" xmlns:p="http://schemas.openxmlformats.org/presentationml/2006/main">
+  <p:cSld>
+    <p:spTree>
+      <p:nvGrpSpPr>
+        <p:cNvPr id="1" name=""/>
+        <p:cNvGrpSpPr/>
+        <p:nvPr/>
+      </p:nvGrpSpPr>
+      <p:grpSpPr>
+        <a:xfrm>
+          <a:off x="0" y="0"/>
+          <a:ext cx="0" cy="0"/>
+          <a:chOff x="0" y="0"/>
+          <a:chExt cx="0" cy="0"/>
+        </a:xfrm>
+      </p:grpSpPr>
+      <p:sp>
+        <p:nvSpPr>
+          <p:cNvPr id="3" name="Espace réservé du contenu 2"/>
+          <p:cNvSpPr>
+            <a:spLocks noGrp="1"/>
+          </p:cNvSpPr>
+          <p:nvPr>
+            <p:ph idx="1"/>
+          </p:nvPr>
+        </p:nvSpPr>
+        <p:spPr/>
+        <p:txBody>
+          <a:bodyPr/>
+          <a:lstStyle/>
+          <a:p>
+            <a:pPr algn="ctr">
+              <a:buNone/>
+            </a:pPr>
+            <a:endParaRPr lang="fr-CH" sz="3600" dirty="0" smtClean="0"/>
+          </a:p>
+          <a:p>
+            <a:pPr algn="ctr">
+              <a:buNone/>
+            </a:pPr>
+            <a:endParaRPr lang="fr-CH" sz="3600" dirty="0" smtClean="0"/>
+          </a:p>
+          <a:p>
+            <a:pPr algn="ctr">
+              <a:buNone/>
+            </a:pPr>
+            <a:r>
+              <a:rPr lang="fr-CH" sz="3600" dirty="0" smtClean="0"/>
+              <a:t>QUESTIONS ?</a:t>
+            </a:r>
+            <a:endParaRPr lang="fr-CH" sz="3600" dirty="0"/>
+          </a:p>
+        </p:txBody>
+      </p:sp>
+      <p:sp>
+        <p:nvSpPr>
+          <p:cNvPr id="4" name="Espace réservé du pied de page 3"/>
+          <p:cNvSpPr>
+            <a:spLocks noGrp="1"/>
+          </p:cNvSpPr>
+          <p:nvPr>
+            <p:ph type="ftr" sz="quarter" idx="10"/>
+          </p:nvPr>
+        </p:nvSpPr>
+        <p:spPr/>
+        <p:txBody>
+          <a:bodyPr/>
+          <a:lstStyle/>
+          <a:p>
+            <a:pPr>
+              <a:defRPr/>
+            </a:pPr>
+            <a:r>
+              <a:rPr lang="fr-FR" altLang="fr-FR" smtClean="0"/>
+              <a:t>Auteur</a:t>
+            </a:r>
+            <a:endParaRPr lang="fr-FR" altLang="fr-FR"/>
+          </a:p>
+        </p:txBody>
+      </p:sp>
+      <p:sp>
+        <p:nvSpPr>
+          <p:cNvPr id="5" name="Espace réservé du numéro de diapositive 4"/>
+          <p:cNvSpPr>
+            <a:spLocks noGrp="1"/>
+          </p:cNvSpPr>
+          <p:nvPr>
+            <p:ph type="sldNum" sz="quarter" idx="11"/>
+          </p:nvPr>
+        </p:nvSpPr>
+        <p:spPr/>
+        <p:txBody>
+          <a:bodyPr/>
+          <a:lstStyle/>
+          <a:p>
+            <a:pPr>
+              <a:defRPr/>
+            </a:pPr>
+            <a:fld id="{B27F4FEF-FAD3-49EA-925F-AE508669AE3E}" type="slidenum">
+              <a:rPr lang="fr-FR" altLang="fr-FR" smtClean="0"/>
+              <a:pPr>
+                <a:defRPr/>
+              </a:pPr>
+              <a:t>6</a:t>
+            </a:fld>
+            <a:endParaRPr lang="fr-FR" altLang="fr-FR"/>
+          </a:p>
+        </p:txBody>
+      </p:sp>
+      <p:sp>
+        <p:nvSpPr>
+          <p:cNvPr id="6" name="Espace réservé de la date 5"/>
+          <p:cNvSpPr>
+            <a:spLocks noGrp="1"/>
+          </p:cNvSpPr>
+          <p:nvPr>
+            <p:ph type="dt" sz="half" idx="12"/>
+          </p:nvPr>
+        </p:nvSpPr>
+        <p:spPr/>
+        <p:txBody>
+          <a:bodyPr/>
+          <a:lstStyle/>
+          <a:p>
+            <a:pPr>
+              <a:defRPr/>
+            </a:pPr>
+            <a:r>
+              <a:rPr lang="fr-FR" smtClean="0"/>
+              <a:t>Département </a:t>
+            </a:r>
+            <a:r>
+              <a:rPr lang="fr-FR" smtClean="0">
+                <a:latin typeface="Verdana"/>
+              </a:rPr>
+              <a:t>•</a:t>
+            </a:r>
+            <a:r>
+              <a:rPr lang="fr-FR" smtClean="0"/>
+              <a:t> date</a:t>
+            </a:r>
+            <a:endParaRPr lang="fr-FR" dirty="0"/>
+          </a:p>
+        </p:txBody>
+      </p:sp>
+    </p:spTree>
+  </p:cSld>
+  <p:clrMapOvr>
+    <a:masterClrMapping/>
+  </p:clrMapOvr>
+  <p:timing>
+    <p:tnLst>
+      <p:par>
+        <p:cTn id="1" dur="indefinite" restart="never" nodeType="tmRoot"/>
+      </p:par>
+    </p:tnLst>
+  </p:timing>
 </p:sld>
 </file>
 

--- a/CahierDesCharges.pptx
+++ b/CahierDesCharges.pptx
@@ -809,7 +809,7 @@
               <a:pPr>
                 <a:defRPr/>
               </a:pPr>
-              <a:t>‹N°›</a:t>
+              <a:t>‹#›</a:t>
             </a:fld>
             <a:endParaRPr lang="fr-FR" altLang="fr-FR"/>
           </a:p>
@@ -1170,7 +1170,7 @@
               <a:pPr>
                 <a:defRPr/>
               </a:pPr>
-              <a:t>‹N°›</a:t>
+              <a:t>‹#›</a:t>
             </a:fld>
             <a:endParaRPr lang="fr-FR" altLang="fr-FR"/>
           </a:p>
@@ -1329,7 +1329,7 @@
               <a:pPr>
                 <a:defRPr/>
               </a:pPr>
-              <a:t>‹N°›</a:t>
+              <a:t>‹#›</a:t>
             </a:fld>
             <a:endParaRPr lang="fr-FR" altLang="fr-FR"/>
           </a:p>
@@ -1562,7 +1562,7 @@
               <a:pPr>
                 <a:defRPr/>
               </a:pPr>
-              <a:t>‹N°›</a:t>
+              <a:t>‹#›</a:t>
             </a:fld>
             <a:endParaRPr lang="fr-FR" altLang="fr-FR" dirty="0"/>
           </a:p>
@@ -2382,7 +2382,23 @@
           <a:p>
             <a:r>
               <a:rPr lang="fr-CH" sz="2000" dirty="0" smtClean="0"/>
-              <a:t>Rendre difficile le reverse-engineering</a:t>
+              <a:t>Sécurité informatique</a:t>
+            </a:r>
+          </a:p>
+          <a:p>
+            <a:pPr>
+              <a:buNone/>
+            </a:pPr>
+            <a:endParaRPr lang="fr-CH" sz="2000" dirty="0" smtClean="0"/>
+          </a:p>
+          <a:p>
+            <a:r>
+              <a:rPr lang="fr-CH" sz="2000" dirty="0" smtClean="0"/>
+              <a:t>Rendre </a:t>
+            </a:r>
+            <a:r>
+              <a:rPr lang="fr-CH" sz="2000" dirty="0" smtClean="0"/>
+              <a:t>difficile le reverse-engineering</a:t>
             </a:r>
           </a:p>
           <a:p>
@@ -3210,16 +3226,17 @@
           <a:p>
             <a:r>
               <a:rPr lang="fr-CH" sz="2000" dirty="0" smtClean="0"/>
-              <a:t>Etudier l’</a:t>
+              <a:t>Etudier </a:t>
+            </a:r>
+            <a:r>
+              <a:rPr lang="fr-CH" sz="2000" dirty="0" smtClean="0"/>
+              <a:t>l’</a:t>
             </a:r>
             <a:r>
               <a:rPr lang="fr-CH" sz="2000" dirty="0" err="1" smtClean="0"/>
               <a:t>obfuscation</a:t>
             </a:r>
-            <a:r>
-              <a:rPr lang="fr-CH" sz="2000" dirty="0" smtClean="0"/>
-              <a:t>.</a:t>
-            </a:r>
+            <a:endParaRPr lang="fr-CH" sz="2000" dirty="0" smtClean="0"/>
           </a:p>
           <a:p>
             <a:r>
@@ -3350,28 +3367,19 @@
           <a:p>
             <a:r>
               <a:rPr lang="fr-CH" sz="1800" dirty="0" smtClean="0"/>
-              <a:t>Comprendre la structure </a:t>
+              <a:t>Comprendre la structure des </a:t>
             </a:r>
             <a:r>
               <a:rPr lang="fr-CH" sz="1800" dirty="0" smtClean="0"/>
-              <a:t>des exécutables</a:t>
-            </a:r>
+              <a:t>exécutables</a:t>
+            </a:r>
+            <a:endParaRPr lang="fr-CH" sz="1800" dirty="0" smtClean="0"/>
+          </a:p>
+          <a:p>
             <a:r>
               <a:rPr lang="fr-CH" sz="1800" dirty="0" smtClean="0"/>
-              <a:t>.</a:t>
-            </a:r>
-            <a:endParaRPr lang="fr-CH" sz="1800" dirty="0" smtClean="0"/>
-          </a:p>
-          <a:p>
-            <a:r>
-              <a:rPr lang="fr-CH" sz="1800" dirty="0" smtClean="0"/>
-              <a:t>Effectuer </a:t>
-            </a:r>
-            <a:r>
-              <a:rPr lang="fr-CH" sz="1800" dirty="0" smtClean="0"/>
-              <a:t>le reverse-engineering</a:t>
-            </a:r>
-            <a:endParaRPr lang="fr-CH" sz="1800" dirty="0" smtClean="0"/>
+              <a:t>Effectuer le reverse-engineering</a:t>
+            </a:r>
           </a:p>
           <a:p>
             <a:r>
